--- a/工作笔记/raisecom/02 部门规范/转正答辩PPT模板(软件部).pptx
+++ b/工作笔记/raisecom/02 部门规范/转正答辩PPT模板(软件部).pptx
@@ -130,6 +130,18 @@
 </p:presentation>
 </file>
 
+<file path=ppt/commentAuthors.xml><?xml version="1.0" encoding="utf-8"?>
+<p:cmAuthorLst xmlns:a="http://schemas.openxmlformats.org/drawingml/2006/main" xmlns:r="http://schemas.openxmlformats.org/officeDocument/2006/relationships" xmlns:p="http://schemas.openxmlformats.org/presentationml/2006/main">
+  <p:cmAuthor id="1" name="Bo Liu" initials="BL" lastIdx="1" clrIdx="0">
+    <p:extLst>
+      <p:ext uri="{19B8F6BF-5375-455C-9EA6-DF929625EA0E}">
+        <p15:presenceInfo xmlns:p15="http://schemas.microsoft.com/office/powerpoint/2012/main" userId="e0ca6156690cd798" providerId="Windows Live"/>
+      </p:ext>
+    </p:extLst>
+  </p:cmAuthor>
+</p:cmAuthorLst>
+</file>
+
 <file path=ppt/notesMasters/notesMaster1.xml><?xml version="1.0" encoding="utf-8"?>
 <p:notesMaster xmlns:a="http://schemas.openxmlformats.org/drawingml/2006/main" xmlns:r="http://schemas.openxmlformats.org/officeDocument/2006/relationships" xmlns:p="http://schemas.openxmlformats.org/presentationml/2006/main">
   <p:cSld>
@@ -212,7 +224,7 @@
           <a:p>
             <a:fld id="{0DD63D5C-4B02-449B-BC73-B68C259B9936}" type="datetimeFigureOut">
               <a:rPr lang="zh-CN" altLang="en-US" smtClean="0"/>
-              <a:t>2023/8/28</a:t>
+              <a:t>2023/10/20</a:t>
             </a:fld>
             <a:endParaRPr lang="zh-CN" altLang="en-US"/>
           </a:p>
@@ -1071,7 +1083,187 @@
           <a:bodyPr/>
           <a:lstStyle/>
           <a:p>
-            <a:endParaRPr lang="zh-CN" altLang="en-US"/>
+            <a:r>
+              <a:rPr lang="zh-CN" altLang="en-US" dirty="0"/>
+              <a:t>面板点灯问题：</a:t>
+            </a:r>
+            <a:r>
+              <a:rPr lang="en-US" altLang="zh-CN" dirty="0"/>
+              <a:t>system</a:t>
+            </a:r>
+            <a:r>
+              <a:rPr lang="zh-CN" altLang="en-US" dirty="0"/>
+              <a:t>灯地址错误，导致风扇电源点灯异常（</a:t>
+            </a:r>
+            <a:r>
+              <a:rPr lang="en-US" altLang="zh-CN" dirty="0"/>
+              <a:t>4C24</a:t>
+            </a:r>
+            <a:r>
+              <a:rPr lang="zh-CN" altLang="en-US" dirty="0"/>
+              <a:t>点灯错误是丝印反了）。</a:t>
+            </a:r>
+            <a:endParaRPr lang="en-US" altLang="zh-CN" dirty="0"/>
+          </a:p>
+          <a:p>
+            <a:r>
+              <a:rPr lang="zh-CN" altLang="en-US" dirty="0"/>
+              <a:t>接口不</a:t>
+            </a:r>
+            <a:r>
+              <a:rPr lang="en-US" altLang="zh-CN" dirty="0"/>
+              <a:t>up</a:t>
+            </a:r>
+            <a:r>
+              <a:rPr lang="zh-CN" altLang="en-US" dirty="0"/>
+              <a:t>：</a:t>
+            </a:r>
+            <a:r>
+              <a:rPr lang="en-US" altLang="zh-CN" dirty="0"/>
+              <a:t>4C24</a:t>
+            </a:r>
+            <a:r>
+              <a:rPr lang="zh-CN" altLang="en-US" dirty="0"/>
+              <a:t>电模块设置发光使能寄存器地址错误。</a:t>
+            </a:r>
+            <a:endParaRPr lang="en-US" altLang="zh-CN" dirty="0"/>
+          </a:p>
+          <a:p>
+            <a:r>
+              <a:rPr lang="zh-CN" altLang="en-US" dirty="0"/>
+              <a:t>风扇产测支持</a:t>
+            </a:r>
+            <a:r>
+              <a:rPr lang="en-US" altLang="zh-CN" dirty="0"/>
+              <a:t>6C48</a:t>
+            </a:r>
+            <a:r>
+              <a:rPr lang="zh-CN" altLang="en-US" dirty="0"/>
+              <a:t>和</a:t>
+            </a:r>
+            <a:r>
+              <a:rPr lang="en-US" altLang="zh-CN" dirty="0"/>
+              <a:t>4C24</a:t>
+            </a:r>
+            <a:r>
+              <a:rPr lang="zh-CN" altLang="en-US" dirty="0"/>
+              <a:t>。</a:t>
+            </a:r>
+            <a:endParaRPr lang="en-US" altLang="zh-CN" dirty="0"/>
+          </a:p>
+          <a:p>
+            <a:r>
+              <a:rPr lang="zh-CN" altLang="en-US" dirty="0"/>
+              <a:t>丢包是已知的</a:t>
+            </a:r>
+            <a:r>
+              <a:rPr lang="en-US" altLang="zh-CN" dirty="0"/>
+              <a:t>fcs</a:t>
+            </a:r>
+            <a:r>
+              <a:rPr lang="zh-CN" altLang="en-US" dirty="0"/>
+              <a:t>，</a:t>
+            </a:r>
+            <a:r>
+              <a:rPr lang="en-US" altLang="zh-CN" dirty="0" err="1"/>
+              <a:t>fae</a:t>
+            </a:r>
+            <a:r>
+              <a:rPr lang="zh-CN" altLang="en-US" dirty="0"/>
+              <a:t>说升级</a:t>
+            </a:r>
+            <a:r>
+              <a:rPr lang="en-US" altLang="zh-CN" dirty="0" err="1"/>
+              <a:t>sdk</a:t>
+            </a:r>
+            <a:r>
+              <a:rPr lang="zh-CN" altLang="en-US" dirty="0"/>
+              <a:t>可以解决。</a:t>
+            </a:r>
+            <a:endParaRPr lang="en-US" altLang="zh-CN" dirty="0"/>
+          </a:p>
+          <a:p>
+            <a:r>
+              <a:rPr lang="zh-CN" altLang="en-US" dirty="0"/>
+              <a:t>蛇形串接上电不通是反复</a:t>
+            </a:r>
+            <a:r>
+              <a:rPr lang="en-US" altLang="zh-CN" dirty="0"/>
+              <a:t>mac-</a:t>
+            </a:r>
+            <a:r>
+              <a:rPr lang="en-US" altLang="zh-CN" dirty="0" err="1"/>
+              <a:t>en</a:t>
+            </a:r>
+            <a:r>
+              <a:rPr lang="en-US" altLang="zh-CN" dirty="0"/>
+              <a:t> disable/enable</a:t>
+            </a:r>
+            <a:r>
+              <a:rPr lang="zh-CN" altLang="en-US" dirty="0"/>
+              <a:t>有</a:t>
+            </a:r>
+            <a:r>
+              <a:rPr lang="en-US" altLang="zh-CN" dirty="0"/>
+              <a:t>linkup</a:t>
+            </a:r>
+            <a:r>
+              <a:rPr lang="zh-CN" altLang="en-US" dirty="0"/>
+              <a:t>中断不上报导致，</a:t>
+            </a:r>
+            <a:r>
+              <a:rPr lang="en-US" altLang="zh-CN" dirty="0" err="1"/>
+              <a:t>fae</a:t>
+            </a:r>
+            <a:r>
+              <a:rPr lang="zh-CN" altLang="en-US" dirty="0"/>
+              <a:t>暂未解决。</a:t>
+            </a:r>
+            <a:endParaRPr lang="en-US" altLang="zh-CN" dirty="0"/>
+          </a:p>
+          <a:p>
+            <a:r>
+              <a:rPr lang="zh-CN" altLang="en-US" dirty="0"/>
+              <a:t>满带宽丢包：跟踪定位，与</a:t>
+            </a:r>
+            <a:r>
+              <a:rPr lang="en-US" altLang="zh-CN" dirty="0" err="1"/>
+              <a:t>fae</a:t>
+            </a:r>
+            <a:r>
+              <a:rPr lang="zh-CN" altLang="en-US" dirty="0"/>
+              <a:t>沟通费时较长，硬件同事定位到晶振精确度不够导致。</a:t>
+            </a:r>
+            <a:endParaRPr lang="en-US" altLang="zh-CN" dirty="0"/>
+          </a:p>
+          <a:p>
+            <a:r>
+              <a:rPr lang="zh-CN" altLang="en-US" dirty="0"/>
+              <a:t>接口</a:t>
+            </a:r>
+            <a:r>
+              <a:rPr lang="en-US" altLang="zh-CN" dirty="0"/>
+              <a:t>link</a:t>
+            </a:r>
+            <a:r>
+              <a:rPr lang="zh-CN" altLang="en-US" dirty="0"/>
+              <a:t>和板卡上下线都是定位问题需要，进而深入熟悉的。</a:t>
+            </a:r>
+            <a:endParaRPr lang="en-US" altLang="zh-CN" dirty="0"/>
+          </a:p>
+          <a:p>
+            <a:r>
+              <a:rPr lang="zh-CN" altLang="en-US" dirty="0"/>
+              <a:t>其他，如端口备份，端口</a:t>
+            </a:r>
+            <a:r>
+              <a:rPr lang="en-US" altLang="zh-CN" dirty="0"/>
+              <a:t>mac</a:t>
+            </a:r>
+            <a:r>
+              <a:rPr lang="zh-CN" altLang="en-US" dirty="0"/>
+              <a:t>安全等小功能未列入。</a:t>
+            </a:r>
           </a:p>
         </p:txBody>
       </p:sp>
@@ -1553,7 +1745,7 @@
           <a:p>
             <a:fld id="{4915075A-889B-4A90-AD5C-976A7BB525B6}" type="datetimeFigureOut">
               <a:rPr lang="zh-CN" altLang="en-US" smtClean="0"/>
-              <a:t>2023/8/28</a:t>
+              <a:t>2023/10/20</a:t>
             </a:fld>
             <a:endParaRPr lang="zh-CN" altLang="en-US"/>
           </a:p>
@@ -1726,7 +1918,7 @@
           <a:p>
             <a:fld id="{4915075A-889B-4A90-AD5C-976A7BB525B6}" type="datetimeFigureOut">
               <a:rPr lang="zh-CN" altLang="en-US" smtClean="0"/>
-              <a:t>2023/8/28</a:t>
+              <a:t>2023/10/20</a:t>
             </a:fld>
             <a:endParaRPr lang="zh-CN" altLang="en-US"/>
           </a:p>
@@ -1909,7 +2101,7 @@
           <a:p>
             <a:fld id="{4915075A-889B-4A90-AD5C-976A7BB525B6}" type="datetimeFigureOut">
               <a:rPr lang="zh-CN" altLang="en-US" smtClean="0"/>
-              <a:t>2023/8/28</a:t>
+              <a:t>2023/10/20</a:t>
             </a:fld>
             <a:endParaRPr lang="zh-CN" altLang="en-US"/>
           </a:p>
@@ -2082,7 +2274,7 @@
           <a:p>
             <a:fld id="{4915075A-889B-4A90-AD5C-976A7BB525B6}" type="datetimeFigureOut">
               <a:rPr lang="zh-CN" altLang="en-US" smtClean="0"/>
-              <a:t>2023/8/28</a:t>
+              <a:t>2023/10/20</a:t>
             </a:fld>
             <a:endParaRPr lang="zh-CN" altLang="en-US"/>
           </a:p>
@@ -2331,7 +2523,7 @@
           <a:p>
             <a:fld id="{4915075A-889B-4A90-AD5C-976A7BB525B6}" type="datetimeFigureOut">
               <a:rPr lang="zh-CN" altLang="en-US" smtClean="0"/>
-              <a:t>2023/8/28</a:t>
+              <a:t>2023/10/20</a:t>
             </a:fld>
             <a:endParaRPr lang="zh-CN" altLang="en-US"/>
           </a:p>
@@ -2566,7 +2758,7 @@
           <a:p>
             <a:fld id="{4915075A-889B-4A90-AD5C-976A7BB525B6}" type="datetimeFigureOut">
               <a:rPr lang="zh-CN" altLang="en-US" smtClean="0"/>
-              <a:t>2023/8/28</a:t>
+              <a:t>2023/10/20</a:t>
             </a:fld>
             <a:endParaRPr lang="zh-CN" altLang="en-US"/>
           </a:p>
@@ -2936,7 +3128,7 @@
           <a:p>
             <a:fld id="{4915075A-889B-4A90-AD5C-976A7BB525B6}" type="datetimeFigureOut">
               <a:rPr lang="zh-CN" altLang="en-US" smtClean="0"/>
-              <a:t>2023/8/28</a:t>
+              <a:t>2023/10/20</a:t>
             </a:fld>
             <a:endParaRPr lang="zh-CN" altLang="en-US"/>
           </a:p>
@@ -3057,7 +3249,7 @@
           <a:p>
             <a:fld id="{4915075A-889B-4A90-AD5C-976A7BB525B6}" type="datetimeFigureOut">
               <a:rPr lang="zh-CN" altLang="en-US" smtClean="0"/>
-              <a:t>2023/8/28</a:t>
+              <a:t>2023/10/20</a:t>
             </a:fld>
             <a:endParaRPr lang="zh-CN" altLang="en-US"/>
           </a:p>
@@ -3155,7 +3347,7 @@
           <a:p>
             <a:fld id="{4915075A-889B-4A90-AD5C-976A7BB525B6}" type="datetimeFigureOut">
               <a:rPr lang="zh-CN" altLang="en-US" smtClean="0"/>
-              <a:t>2023/8/28</a:t>
+              <a:t>2023/10/20</a:t>
             </a:fld>
             <a:endParaRPr lang="zh-CN" altLang="en-US"/>
           </a:p>
@@ -3435,7 +3627,7 @@
           <a:p>
             <a:fld id="{4915075A-889B-4A90-AD5C-976A7BB525B6}" type="datetimeFigureOut">
               <a:rPr lang="zh-CN" altLang="en-US" smtClean="0"/>
-              <a:t>2023/8/28</a:t>
+              <a:t>2023/10/20</a:t>
             </a:fld>
             <a:endParaRPr lang="zh-CN" altLang="en-US"/>
           </a:p>
@@ -3695,7 +3887,7 @@
           <a:p>
             <a:fld id="{4915075A-889B-4A90-AD5C-976A7BB525B6}" type="datetimeFigureOut">
               <a:rPr lang="zh-CN" altLang="en-US" smtClean="0"/>
-              <a:t>2023/8/28</a:t>
+              <a:t>2023/10/20</a:t>
             </a:fld>
             <a:endParaRPr lang="zh-CN" altLang="en-US"/>
           </a:p>
@@ -3911,7 +4103,7 @@
           <a:p>
             <a:fld id="{4915075A-889B-4A90-AD5C-976A7BB525B6}" type="datetimeFigureOut">
               <a:rPr lang="zh-CN" altLang="en-US" smtClean="0"/>
-              <a:t>2023/8/28</a:t>
+              <a:t>2023/10/20</a:t>
             </a:fld>
             <a:endParaRPr lang="zh-CN" altLang="en-US"/>
           </a:p>
@@ -6698,7 +6890,7 @@
                 <a:latin typeface="微软雅黑" panose="020B0503020204020204" pitchFamily="34" charset="-122"/>
                 <a:ea typeface="微软雅黑" panose="020B0503020204020204" pitchFamily="34" charset="-122"/>
               </a:rPr>
-              <a:t>所属部门：武汉软件二部</a:t>
+              <a:t>所属部门：武汉软件三部</a:t>
             </a:r>
             <a:endParaRPr lang="en-US" altLang="zh-CN" sz="1600" b="1" dirty="0">
               <a:solidFill>
@@ -7155,7 +7347,7 @@
                 <a:latin typeface="微软雅黑" panose="020B0503020204020204" pitchFamily="34" charset="-122"/>
                 <a:ea typeface="微软雅黑" panose="020B0503020204020204" pitchFamily="34" charset="-122"/>
               </a:rPr>
-              <a:t>汇报人：</a:t>
+              <a:t>汇报人：刘 波</a:t>
             </a:r>
             <a:endParaRPr lang="en-US" altLang="zh-CN" sz="1600" dirty="0">
               <a:solidFill>
@@ -8119,7 +8311,7 @@
         <p:spPr>
           <a:xfrm>
             <a:off x="857250" y="1254125"/>
-            <a:ext cx="9100820" cy="923330"/>
+            <a:ext cx="9100820" cy="3000821"/>
           </a:xfrm>
           <a:prstGeom prst="rect">
             <a:avLst/>
@@ -8154,6 +8346,80 @@
               </a:solidFill>
               <a:latin typeface="微软雅黑" panose="020B0503020204020204" pitchFamily="34" charset="-122"/>
               <a:ea typeface="微软雅黑" panose="020B0503020204020204" pitchFamily="34" charset="-122"/>
+            </a:endParaRPr>
+          </a:p>
+          <a:p>
+            <a:pPr marL="342900" indent="-342900">
+              <a:lnSpc>
+                <a:spcPct val="150000"/>
+              </a:lnSpc>
+              <a:buFont typeface="+mj-lt"/>
+              <a:buAutoNum type="arabicPeriod"/>
+            </a:pPr>
+            <a:r>
+              <a:rPr lang="zh-CN" altLang="en-US" dirty="0">
+                <a:latin typeface="+mn-ea"/>
+                <a:sym typeface="+mn-ea"/>
+              </a:rPr>
+              <a:t>对熟悉的功能模块，能凭借以往经验进行调试定位，解决问题；</a:t>
+            </a:r>
+            <a:endParaRPr lang="en-US" altLang="zh-CN" dirty="0">
+              <a:latin typeface="+mn-ea"/>
+              <a:sym typeface="+mn-ea"/>
+            </a:endParaRPr>
+          </a:p>
+          <a:p>
+            <a:pPr marL="342900" indent="-342900">
+              <a:lnSpc>
+                <a:spcPct val="150000"/>
+              </a:lnSpc>
+              <a:buFont typeface="+mj-lt"/>
+              <a:buAutoNum type="arabicPeriod"/>
+            </a:pPr>
+            <a:r>
+              <a:rPr lang="zh-CN" altLang="en-US" dirty="0">
+                <a:latin typeface="+mn-ea"/>
+                <a:sym typeface="+mn-ea"/>
+              </a:rPr>
+              <a:t>对未接触过的功能，能通过请教同事，阅读文档资料和代码梳理，短时间内上手解决基本问题；</a:t>
+            </a:r>
+            <a:endParaRPr lang="en-US" altLang="zh-CN" dirty="0">
+              <a:latin typeface="+mn-ea"/>
+              <a:sym typeface="+mn-ea"/>
+            </a:endParaRPr>
+          </a:p>
+          <a:p>
+            <a:pPr marL="342900" indent="-342900">
+              <a:lnSpc>
+                <a:spcPct val="150000"/>
+              </a:lnSpc>
+              <a:buFont typeface="+mj-lt"/>
+              <a:buAutoNum type="arabicPeriod"/>
+            </a:pPr>
+            <a:r>
+              <a:rPr lang="zh-CN" altLang="en-US" dirty="0">
+                <a:latin typeface="+mn-ea"/>
+                <a:sym typeface="+mn-ea"/>
+              </a:rPr>
+              <a:t>不足之处，问题单较多时会急于解决问题，对个别问题的根本原因跟踪不够，如</a:t>
+            </a:r>
+            <a:r>
+              <a:rPr lang="en-US" altLang="zh-CN" dirty="0">
+                <a:latin typeface="+mn-ea"/>
+                <a:sym typeface="+mn-ea"/>
+              </a:rPr>
+              <a:t>RG10</a:t>
+            </a:r>
+            <a:r>
+              <a:rPr lang="zh-CN" altLang="en-US" dirty="0">
+                <a:latin typeface="+mn-ea"/>
+                <a:sym typeface="+mn-ea"/>
+              </a:rPr>
+              <a:t>，后续解决问题时要深究根因。</a:t>
+            </a:r>
+            <a:endParaRPr lang="en-US" altLang="zh-CN" dirty="0">
+              <a:latin typeface="+mn-ea"/>
+              <a:sym typeface="+mn-ea"/>
             </a:endParaRPr>
           </a:p>
           <a:p>
@@ -9127,7 +9393,7 @@
         <p:spPr>
           <a:xfrm>
             <a:off x="833120" y="1204595"/>
-            <a:ext cx="7859395" cy="369332"/>
+            <a:ext cx="7859395" cy="2266133"/>
           </a:xfrm>
           <a:prstGeom prst="rect">
             <a:avLst/>
@@ -9140,10 +9406,6 @@
           </a:bodyPr>
           <a:lstStyle/>
           <a:p>
-            <a:pPr marL="342900" indent="-342900">
-              <a:buFont typeface="+mj-lt"/>
-              <a:buAutoNum type="arabicPeriod"/>
-            </a:pPr>
             <a:r>
               <a:rPr lang="zh-CN" altLang="en-US" dirty="0">
                 <a:solidFill>
@@ -9152,7 +9414,7 @@
                 <a:latin typeface="微软雅黑" panose="020B0503020204020204" pitchFamily="34" charset="-122"/>
                 <a:ea typeface="微软雅黑" panose="020B0503020204020204" pitchFamily="34" charset="-122"/>
               </a:rPr>
-              <a:t>对于下一阶段的工作计划、计划实施步骤及</a:t>
+              <a:t>下一阶段的工作计划、计划实施步骤</a:t>
             </a:r>
             <a:r>
               <a:rPr lang="zh-CN" altLang="en-US" dirty="0">
@@ -9163,7 +9425,7 @@
                 <a:ea typeface="微软雅黑" panose="020B0503020204020204" pitchFamily="34" charset="-122"/>
                 <a:sym typeface="+mn-ea"/>
               </a:rPr>
-              <a:t>自身职业规划的发展建议。</a:t>
+              <a:t>。</a:t>
             </a:r>
             <a:endParaRPr lang="en-US" altLang="zh-CN" dirty="0">
               <a:solidFill>
@@ -9171,6 +9433,104 @@
               </a:solidFill>
               <a:latin typeface="微软雅黑" panose="020B0503020204020204" pitchFamily="34" charset="-122"/>
               <a:ea typeface="微软雅黑" panose="020B0503020204020204" pitchFamily="34" charset="-122"/>
+              <a:sym typeface="+mn-ea"/>
+            </a:endParaRPr>
+          </a:p>
+          <a:p>
+            <a:endParaRPr lang="en-US" altLang="zh-CN" dirty="0">
+              <a:solidFill>
+                <a:srgbClr val="4B4B4B"/>
+              </a:solidFill>
+              <a:latin typeface="微软雅黑" panose="020B0503020204020204" pitchFamily="34" charset="-122"/>
+              <a:ea typeface="微软雅黑" panose="020B0503020204020204" pitchFamily="34" charset="-122"/>
+              <a:sym typeface="+mn-ea"/>
+            </a:endParaRPr>
+          </a:p>
+          <a:p>
+            <a:pPr marL="342900" indent="-342900">
+              <a:lnSpc>
+                <a:spcPct val="150000"/>
+              </a:lnSpc>
+              <a:buFont typeface="+mj-lt"/>
+              <a:buAutoNum type="arabicPeriod"/>
+            </a:pPr>
+            <a:r>
+              <a:rPr lang="zh-CN" altLang="en-US" dirty="0">
+                <a:latin typeface="+mn-ea"/>
+                <a:sym typeface="+mn-ea"/>
+              </a:rPr>
+              <a:t>解决</a:t>
+            </a:r>
+            <a:r>
+              <a:rPr lang="en-US" altLang="zh-CN" dirty="0">
+                <a:latin typeface="+mn-ea"/>
+                <a:sym typeface="+mn-ea"/>
+              </a:rPr>
+              <a:t>RG10</a:t>
+            </a:r>
+            <a:r>
+              <a:rPr lang="zh-CN" altLang="en-US" dirty="0">
+                <a:latin typeface="+mn-ea"/>
+                <a:sym typeface="+mn-ea"/>
+              </a:rPr>
+              <a:t>板卡相关问题，熟悉板卡功能，为后续可能出现的问题准备；</a:t>
+            </a:r>
+            <a:endParaRPr lang="en-US" altLang="zh-CN" dirty="0">
+              <a:latin typeface="+mn-ea"/>
+              <a:sym typeface="+mn-ea"/>
+            </a:endParaRPr>
+          </a:p>
+          <a:p>
+            <a:pPr marL="342900" indent="-342900">
+              <a:lnSpc>
+                <a:spcPct val="150000"/>
+              </a:lnSpc>
+              <a:buFont typeface="+mj-lt"/>
+              <a:buAutoNum type="arabicPeriod"/>
+            </a:pPr>
+            <a:r>
+              <a:rPr lang="zh-CN" altLang="en-US" dirty="0">
+                <a:latin typeface="+mn-ea"/>
+                <a:sym typeface="+mn-ea"/>
+              </a:rPr>
+              <a:t>继续</a:t>
+            </a:r>
+            <a:r>
+              <a:rPr lang="en-US" altLang="zh-CN" dirty="0">
+                <a:latin typeface="+mn-ea"/>
+                <a:sym typeface="+mn-ea"/>
+              </a:rPr>
+              <a:t>FCG</a:t>
+            </a:r>
+            <a:r>
+              <a:rPr lang="zh-CN" altLang="en-US" dirty="0">
+                <a:latin typeface="+mn-ea"/>
+                <a:sym typeface="+mn-ea"/>
+              </a:rPr>
+              <a:t>算力子卡的开发，继续前期未完成的产品编译工作，以及板卡的功能开发；</a:t>
+            </a:r>
+            <a:endParaRPr lang="en-US" altLang="zh-CN" dirty="0">
+              <a:latin typeface="+mn-ea"/>
+              <a:sym typeface="+mn-ea"/>
+            </a:endParaRPr>
+          </a:p>
+          <a:p>
+            <a:pPr marL="342900" indent="-342900">
+              <a:lnSpc>
+                <a:spcPct val="150000"/>
+              </a:lnSpc>
+              <a:buFont typeface="+mj-lt"/>
+              <a:buAutoNum type="arabicPeriod"/>
+            </a:pPr>
+            <a:r>
+              <a:rPr lang="zh-CN" altLang="en-US" dirty="0">
+                <a:latin typeface="+mn-ea"/>
+                <a:sym typeface="+mn-ea"/>
+              </a:rPr>
+              <a:t>巩固复习负责的功能模块。</a:t>
+            </a:r>
+            <a:endParaRPr lang="en-US" altLang="zh-CN" dirty="0">
+              <a:latin typeface="+mn-ea"/>
               <a:sym typeface="+mn-ea"/>
             </a:endParaRPr>
           </a:p>
@@ -11491,8 +11851,8 @@
         </p:nvSpPr>
         <p:spPr>
           <a:xfrm>
-            <a:off x="840031" y="5007199"/>
-            <a:ext cx="9203690" cy="369332"/>
+            <a:off x="840030" y="5007199"/>
+            <a:ext cx="9576509" cy="369332"/>
           </a:xfrm>
           <a:prstGeom prst="rect">
             <a:avLst/>
@@ -11514,7 +11874,183 @@
                 <a:ea typeface="微软雅黑" panose="020B0503020204020204" pitchFamily="34" charset="-122"/>
                 <a:sym typeface="+mn-ea"/>
               </a:rPr>
-              <a:t>基本信息说明</a:t>
+              <a:t>刘波，</a:t>
+            </a:r>
+            <a:r>
+              <a:rPr lang="en-US" altLang="zh-CN" dirty="0">
+                <a:solidFill>
+                  <a:srgbClr val="4B4B4B"/>
+                </a:solidFill>
+                <a:latin typeface="微软雅黑" panose="020B0503020204020204" pitchFamily="34" charset="-122"/>
+                <a:ea typeface="微软雅黑" panose="020B0503020204020204" pitchFamily="34" charset="-122"/>
+                <a:sym typeface="+mn-ea"/>
+              </a:rPr>
+              <a:t>4</a:t>
+            </a:r>
+            <a:r>
+              <a:rPr lang="zh-CN" altLang="en-US" dirty="0">
+                <a:solidFill>
+                  <a:srgbClr val="4B4B4B"/>
+                </a:solidFill>
+                <a:latin typeface="微软雅黑" panose="020B0503020204020204" pitchFamily="34" charset="-122"/>
+                <a:ea typeface="微软雅黑" panose="020B0503020204020204" pitchFamily="34" charset="-122"/>
+                <a:sym typeface="+mn-ea"/>
+              </a:rPr>
+              <a:t>月</a:t>
+            </a:r>
+            <a:r>
+              <a:rPr lang="en-US" altLang="zh-CN" dirty="0">
+                <a:solidFill>
+                  <a:srgbClr val="4B4B4B"/>
+                </a:solidFill>
+                <a:latin typeface="微软雅黑" panose="020B0503020204020204" pitchFamily="34" charset="-122"/>
+                <a:ea typeface="微软雅黑" panose="020B0503020204020204" pitchFamily="34" charset="-122"/>
+                <a:sym typeface="+mn-ea"/>
+              </a:rPr>
+              <a:t>24</a:t>
+            </a:r>
+            <a:r>
+              <a:rPr lang="zh-CN" altLang="en-US" dirty="0">
+                <a:solidFill>
+                  <a:srgbClr val="4B4B4B"/>
+                </a:solidFill>
+                <a:latin typeface="微软雅黑" panose="020B0503020204020204" pitchFamily="34" charset="-122"/>
+                <a:ea typeface="微软雅黑" panose="020B0503020204020204" pitchFamily="34" charset="-122"/>
+                <a:sym typeface="+mn-ea"/>
+              </a:rPr>
+              <a:t>号入职，当前负责</a:t>
+            </a:r>
+            <a:r>
+              <a:rPr lang="en-US" altLang="zh-CN" dirty="0">
+                <a:solidFill>
+                  <a:srgbClr val="4B4B4B"/>
+                </a:solidFill>
+                <a:latin typeface="微软雅黑" panose="020B0503020204020204" pitchFamily="34" charset="-122"/>
+                <a:ea typeface="微软雅黑" panose="020B0503020204020204" pitchFamily="34" charset="-122"/>
+                <a:sym typeface="+mn-ea"/>
+              </a:rPr>
+              <a:t>L2</a:t>
+            </a:r>
+            <a:r>
+              <a:rPr lang="zh-CN" altLang="en-US" dirty="0">
+                <a:solidFill>
+                  <a:srgbClr val="4B4B4B"/>
+                </a:solidFill>
+                <a:latin typeface="微软雅黑" panose="020B0503020204020204" pitchFamily="34" charset="-122"/>
+                <a:ea typeface="微软雅黑" panose="020B0503020204020204" pitchFamily="34" charset="-122"/>
+                <a:sym typeface="+mn-ea"/>
+              </a:rPr>
+              <a:t>模块：</a:t>
+            </a:r>
+            <a:r>
+              <a:rPr lang="en-US" altLang="zh-CN" dirty="0">
+                <a:solidFill>
+                  <a:srgbClr val="4B4B4B"/>
+                </a:solidFill>
+                <a:latin typeface="微软雅黑" panose="020B0503020204020204" pitchFamily="34" charset="-122"/>
+                <a:ea typeface="微软雅黑" panose="020B0503020204020204" pitchFamily="34" charset="-122"/>
+                <a:sym typeface="+mn-ea"/>
+              </a:rPr>
+              <a:t>MAC</a:t>
+            </a:r>
+            <a:r>
+              <a:rPr lang="zh-CN" altLang="en-US" dirty="0">
+                <a:solidFill>
+                  <a:srgbClr val="4B4B4B"/>
+                </a:solidFill>
+                <a:latin typeface="微软雅黑" panose="020B0503020204020204" pitchFamily="34" charset="-122"/>
+                <a:ea typeface="微软雅黑" panose="020B0503020204020204" pitchFamily="34" charset="-122"/>
+                <a:sym typeface="+mn-ea"/>
+              </a:rPr>
+              <a:t>，</a:t>
+            </a:r>
+            <a:r>
+              <a:rPr lang="en-US" altLang="zh-CN" dirty="0">
+                <a:solidFill>
+                  <a:srgbClr val="4B4B4B"/>
+                </a:solidFill>
+                <a:latin typeface="微软雅黑" panose="020B0503020204020204" pitchFamily="34" charset="-122"/>
+                <a:ea typeface="微软雅黑" panose="020B0503020204020204" pitchFamily="34" charset="-122"/>
+                <a:sym typeface="+mn-ea"/>
+              </a:rPr>
+              <a:t>VLAN</a:t>
+            </a:r>
+            <a:r>
+              <a:rPr lang="zh-CN" altLang="en-US" dirty="0">
+                <a:solidFill>
+                  <a:srgbClr val="4B4B4B"/>
+                </a:solidFill>
+                <a:latin typeface="微软雅黑" panose="020B0503020204020204" pitchFamily="34" charset="-122"/>
+                <a:ea typeface="微软雅黑" panose="020B0503020204020204" pitchFamily="34" charset="-122"/>
+                <a:sym typeface="+mn-ea"/>
+              </a:rPr>
+              <a:t>，</a:t>
+            </a:r>
+            <a:r>
+              <a:rPr lang="en-US" altLang="zh-CN" dirty="0">
+                <a:solidFill>
+                  <a:srgbClr val="4B4B4B"/>
+                </a:solidFill>
+                <a:latin typeface="微软雅黑" panose="020B0503020204020204" pitchFamily="34" charset="-122"/>
+                <a:ea typeface="微软雅黑" panose="020B0503020204020204" pitchFamily="34" charset="-122"/>
+                <a:sym typeface="+mn-ea"/>
+              </a:rPr>
+              <a:t>QINQ</a:t>
+            </a:r>
+            <a:r>
+              <a:rPr lang="zh-CN" altLang="en-US" dirty="0">
+                <a:solidFill>
+                  <a:srgbClr val="4B4B4B"/>
+                </a:solidFill>
+                <a:latin typeface="微软雅黑" panose="020B0503020204020204" pitchFamily="34" charset="-122"/>
+                <a:ea typeface="微软雅黑" panose="020B0503020204020204" pitchFamily="34" charset="-122"/>
+                <a:sym typeface="+mn-ea"/>
+              </a:rPr>
+              <a:t>，</a:t>
+            </a:r>
+            <a:r>
+              <a:rPr lang="en-US" altLang="zh-CN" dirty="0">
+                <a:solidFill>
+                  <a:srgbClr val="4B4B4B"/>
+                </a:solidFill>
+                <a:latin typeface="微软雅黑" panose="020B0503020204020204" pitchFamily="34" charset="-122"/>
+                <a:ea typeface="微软雅黑" panose="020B0503020204020204" pitchFamily="34" charset="-122"/>
+                <a:sym typeface="+mn-ea"/>
+              </a:rPr>
+              <a:t>8031</a:t>
+            </a:r>
+            <a:r>
+              <a:rPr lang="zh-CN" altLang="en-US" dirty="0">
+                <a:solidFill>
+                  <a:srgbClr val="4B4B4B"/>
+                </a:solidFill>
+                <a:latin typeface="微软雅黑" panose="020B0503020204020204" pitchFamily="34" charset="-122"/>
+                <a:ea typeface="微软雅黑" panose="020B0503020204020204" pitchFamily="34" charset="-122"/>
+                <a:sym typeface="+mn-ea"/>
+              </a:rPr>
+              <a:t>，</a:t>
+            </a:r>
+            <a:r>
+              <a:rPr lang="en-US" altLang="zh-CN" dirty="0">
+                <a:solidFill>
+                  <a:srgbClr val="4B4B4B"/>
+                </a:solidFill>
+                <a:latin typeface="微软雅黑" panose="020B0503020204020204" pitchFamily="34" charset="-122"/>
+                <a:ea typeface="微软雅黑" panose="020B0503020204020204" pitchFamily="34" charset="-122"/>
+                <a:sym typeface="+mn-ea"/>
+              </a:rPr>
+              <a:t>8032</a:t>
+            </a:r>
+            <a:r>
+              <a:rPr lang="zh-CN" altLang="en-US" dirty="0">
+                <a:solidFill>
+                  <a:srgbClr val="4B4B4B"/>
+                </a:solidFill>
+                <a:latin typeface="微软雅黑" panose="020B0503020204020204" pitchFamily="34" charset="-122"/>
+                <a:ea typeface="微软雅黑" panose="020B0503020204020204" pitchFamily="34" charset="-122"/>
+                <a:sym typeface="+mn-ea"/>
+              </a:rPr>
+              <a:t>和环路检测等。</a:t>
             </a:r>
             <a:endParaRPr lang="zh-CN" altLang="en-US" dirty="0"/>
           </a:p>
@@ -12738,6 +13274,269 @@
           </a:prstGeom>
         </p:spPr>
       </p:pic>
+      <p:sp>
+        <p:nvSpPr>
+          <p:cNvPr id="16" name="内容占位符 15">
+            <a:extLst>
+              <a:ext uri="{FF2B5EF4-FFF2-40B4-BE49-F238E27FC236}">
+                <a16:creationId xmlns:a16="http://schemas.microsoft.com/office/drawing/2014/main" id="{C7592B98-FFF1-03C6-C67E-ACA11B4A3146}"/>
+              </a:ext>
+            </a:extLst>
+          </p:cNvPr>
+          <p:cNvSpPr>
+            <a:spLocks noGrp="1"/>
+          </p:cNvSpPr>
+          <p:nvPr>
+            <p:ph sz="half" idx="1"/>
+          </p:nvPr>
+        </p:nvSpPr>
+        <p:spPr>
+          <a:xfrm>
+            <a:off x="770964" y="2222889"/>
+            <a:ext cx="5450541" cy="4351338"/>
+          </a:xfrm>
+        </p:spPr>
+        <p:txBody>
+          <a:bodyPr>
+            <a:normAutofit/>
+          </a:bodyPr>
+          <a:lstStyle/>
+          <a:p>
+            <a:pPr marL="457200" indent="-457200">
+              <a:lnSpc>
+                <a:spcPct val="100000"/>
+              </a:lnSpc>
+              <a:buAutoNum type="arabicPeriod"/>
+            </a:pPr>
+            <a:r>
+              <a:rPr lang="zh-CN" altLang="en-US" sz="1600" dirty="0"/>
+              <a:t>熟悉负责模块的驱动代码，包括</a:t>
+            </a:r>
+            <a:r>
+              <a:rPr lang="en-US" altLang="zh-CN" sz="1600" dirty="0"/>
+              <a:t>VLAN</a:t>
+            </a:r>
+            <a:r>
+              <a:rPr lang="zh-CN" altLang="en-US" sz="1600" dirty="0"/>
+              <a:t>，</a:t>
+            </a:r>
+            <a:r>
+              <a:rPr lang="en-US" altLang="zh-CN" sz="1600" dirty="0"/>
+              <a:t>MAC</a:t>
+            </a:r>
+            <a:r>
+              <a:rPr lang="zh-CN" altLang="en-US" sz="1600" dirty="0"/>
+              <a:t>，</a:t>
+            </a:r>
+            <a:r>
+              <a:rPr lang="en-US" altLang="zh-CN" sz="1600" dirty="0"/>
+              <a:t>QINQ</a:t>
+            </a:r>
+            <a:r>
+              <a:rPr lang="zh-CN" altLang="en-US" sz="1600" dirty="0"/>
+              <a:t>，</a:t>
+            </a:r>
+            <a:r>
+              <a:rPr lang="en-US" altLang="zh-CN" sz="1600" dirty="0"/>
+              <a:t>8031/8032</a:t>
+            </a:r>
+            <a:r>
+              <a:rPr lang="zh-CN" altLang="en-US" sz="1600" dirty="0"/>
+              <a:t>，以及环路检测等模块，测试验证功能，解决发现的</a:t>
+            </a:r>
+            <a:r>
+              <a:rPr lang="en-US" altLang="zh-CN" sz="1600" dirty="0"/>
+              <a:t>QINQ</a:t>
+            </a:r>
+            <a:r>
+              <a:rPr lang="zh-CN" altLang="en-US" sz="1600" dirty="0"/>
+              <a:t>问题，并输出总结和测试文档；</a:t>
+            </a:r>
+            <a:endParaRPr lang="en-US" altLang="zh-CN" sz="1600" dirty="0"/>
+          </a:p>
+          <a:p>
+            <a:pPr marL="457200" indent="-457200">
+              <a:lnSpc>
+                <a:spcPct val="100000"/>
+              </a:lnSpc>
+              <a:buAutoNum type="arabicPeriod"/>
+            </a:pPr>
+            <a:r>
+              <a:rPr lang="zh-CN" altLang="en-US" sz="1600" dirty="0"/>
+              <a:t>熟悉</a:t>
+            </a:r>
+            <a:r>
+              <a:rPr lang="en-US" altLang="zh-CN" sz="1600" dirty="0"/>
+              <a:t>CTC</a:t>
+            </a:r>
+            <a:r>
+              <a:rPr lang="zh-CN" altLang="en-US" sz="1600" dirty="0"/>
+              <a:t>交换芯片资料，主要是</a:t>
+            </a:r>
+            <a:r>
+              <a:rPr lang="en-US" altLang="zh-CN" sz="1600" dirty="0"/>
+              <a:t>VLAN/QINQ</a:t>
+            </a:r>
+            <a:r>
+              <a:rPr lang="zh-CN" altLang="en-US" sz="1600" dirty="0"/>
+              <a:t>的实现原理；</a:t>
+            </a:r>
+            <a:endParaRPr lang="en-US" altLang="zh-CN" sz="1600" dirty="0"/>
+          </a:p>
+          <a:p>
+            <a:pPr marL="457200" indent="-457200">
+              <a:lnSpc>
+                <a:spcPct val="100000"/>
+              </a:lnSpc>
+              <a:buFont typeface="Arial" panose="020B0604020202020204" pitchFamily="34" charset="0"/>
+              <a:buAutoNum type="arabicPeriod"/>
+            </a:pPr>
+            <a:r>
+              <a:rPr lang="zh-CN" altLang="en-US" sz="1600" dirty="0"/>
+              <a:t>接口属性配置的驱动代码：速率，模式切换，管理状态等，输出总结文档；</a:t>
+            </a:r>
+            <a:endParaRPr lang="en-US" altLang="zh-CN" sz="1600" dirty="0"/>
+          </a:p>
+          <a:p>
+            <a:pPr marL="457200" indent="-457200">
+              <a:lnSpc>
+                <a:spcPct val="100000"/>
+              </a:lnSpc>
+              <a:buFont typeface="Arial" panose="020B0604020202020204" pitchFamily="34" charset="0"/>
+              <a:buAutoNum type="arabicPeriod"/>
+            </a:pPr>
+            <a:r>
+              <a:rPr lang="zh-CN" altLang="en-US" sz="1600" dirty="0"/>
+              <a:t>支撑</a:t>
+            </a:r>
+            <a:r>
+              <a:rPr lang="en-US" altLang="zh-CN" sz="1600" dirty="0"/>
+              <a:t>721C</a:t>
+            </a:r>
+            <a:r>
+              <a:rPr lang="zh-CN" altLang="en-US" sz="1600" dirty="0"/>
+              <a:t>设备测试，跟踪解决相关问题单：面板点灯，接口不</a:t>
+            </a:r>
+            <a:r>
+              <a:rPr lang="en-US" altLang="zh-CN" sz="1600" dirty="0"/>
+              <a:t>up</a:t>
+            </a:r>
+            <a:r>
+              <a:rPr lang="zh-CN" altLang="en-US" sz="1600" dirty="0"/>
+              <a:t>，风扇版本显示和产测，长期丢包，上电不通以及满带宽丢包问题等；</a:t>
+            </a:r>
+            <a:endParaRPr lang="en-US" altLang="zh-CN" sz="1600" dirty="0"/>
+          </a:p>
+          <a:p>
+            <a:pPr marL="457200" indent="-457200">
+              <a:lnSpc>
+                <a:spcPct val="100000"/>
+              </a:lnSpc>
+              <a:buAutoNum type="arabicPeriod"/>
+            </a:pPr>
+            <a:r>
+              <a:rPr lang="zh-CN" altLang="en-US" sz="1600" dirty="0"/>
+              <a:t>熟悉接口</a:t>
+            </a:r>
+            <a:r>
+              <a:rPr lang="en-US" altLang="zh-CN" sz="1600" dirty="0"/>
+              <a:t>up/down</a:t>
+            </a:r>
+            <a:r>
+              <a:rPr lang="zh-CN" altLang="en-US" sz="1600" dirty="0"/>
+              <a:t>状态上报，板卡上下线的状态机处理；</a:t>
+            </a:r>
+            <a:endParaRPr lang="en-US" altLang="zh-CN" sz="1600" dirty="0"/>
+          </a:p>
+          <a:p>
+            <a:pPr marL="457200" indent="-457200">
+              <a:lnSpc>
+                <a:spcPct val="100000"/>
+              </a:lnSpc>
+              <a:buAutoNum type="arabicPeriod"/>
+            </a:pPr>
+            <a:r>
+              <a:rPr lang="zh-CN" altLang="en-US" sz="1600" dirty="0"/>
+              <a:t>总结功能测试和问题定位中使用到的命令和方法。</a:t>
+            </a:r>
+            <a:endParaRPr lang="en-US" altLang="zh-CN" sz="1600" dirty="0"/>
+          </a:p>
+          <a:p>
+            <a:pPr marL="457200" indent="-457200">
+              <a:lnSpc>
+                <a:spcPct val="100000"/>
+              </a:lnSpc>
+              <a:buAutoNum type="arabicPeriod"/>
+            </a:pPr>
+            <a:endParaRPr lang="en-US" altLang="zh-CN" sz="1600" dirty="0"/>
+          </a:p>
+        </p:txBody>
+      </p:sp>
+      <p:sp>
+        <p:nvSpPr>
+          <p:cNvPr id="17" name="内容占位符 16">
+            <a:extLst>
+              <a:ext uri="{FF2B5EF4-FFF2-40B4-BE49-F238E27FC236}">
+                <a16:creationId xmlns:a16="http://schemas.microsoft.com/office/drawing/2014/main" id="{F67A8075-1B4F-0892-49AF-D1EC3FA87532}"/>
+              </a:ext>
+            </a:extLst>
+          </p:cNvPr>
+          <p:cNvSpPr>
+            <a:spLocks noGrp="1"/>
+          </p:cNvSpPr>
+          <p:nvPr>
+            <p:ph sz="half" idx="2"/>
+          </p:nvPr>
+        </p:nvSpPr>
+        <p:spPr>
+          <a:xfrm>
+            <a:off x="6839134" y="2213923"/>
+            <a:ext cx="4143744" cy="4351338"/>
+          </a:xfrm>
+        </p:spPr>
+        <p:txBody>
+          <a:bodyPr/>
+          <a:lstStyle/>
+          <a:p>
+            <a:pPr marL="342900" indent="-342900">
+              <a:buAutoNum type="arabicPeriod"/>
+            </a:pPr>
+            <a:r>
+              <a:rPr lang="zh-CN" altLang="en-US" sz="1600" dirty="0"/>
+              <a:t>解决</a:t>
+            </a:r>
+            <a:r>
+              <a:rPr lang="en-US" altLang="zh-CN" sz="1600" dirty="0"/>
+              <a:t>RG10</a:t>
+            </a:r>
+            <a:r>
+              <a:rPr lang="zh-CN" altLang="en-US" sz="1600" dirty="0"/>
+              <a:t>问题单；</a:t>
+            </a:r>
+            <a:endParaRPr lang="en-US" altLang="zh-CN" sz="1600" dirty="0"/>
+          </a:p>
+          <a:p>
+            <a:pPr marL="342900" indent="-342900">
+              <a:buAutoNum type="arabicPeriod"/>
+            </a:pPr>
+            <a:r>
+              <a:rPr lang="en-US" altLang="zh-CN" sz="1600" dirty="0"/>
+              <a:t>FCG</a:t>
+            </a:r>
+            <a:r>
+              <a:rPr lang="zh-CN" altLang="en-US" sz="1600" dirty="0"/>
+              <a:t>算力子卡前期编译熟悉。</a:t>
+            </a:r>
+            <a:endParaRPr lang="en-US" altLang="zh-CN" sz="1600" dirty="0"/>
+          </a:p>
+          <a:p>
+            <a:pPr marL="342900" indent="-342900">
+              <a:buAutoNum type="arabicPeriod"/>
+            </a:pPr>
+            <a:endParaRPr lang="zh-CN" altLang="en-US" sz="1600" dirty="0"/>
+          </a:p>
+        </p:txBody>
+      </p:sp>
     </p:spTree>
   </p:cSld>
   <p:clrMapOvr>
@@ -13231,7 +14030,7 @@
         <p:spPr>
           <a:xfrm>
             <a:off x="848995" y="1322705"/>
-            <a:ext cx="9203690" cy="861774"/>
+            <a:ext cx="9203690" cy="3195747"/>
           </a:xfrm>
           <a:prstGeom prst="rect">
             <a:avLst/>
@@ -13244,44 +14043,264 @@
           </a:bodyPr>
           <a:lstStyle/>
           <a:p>
-            <a:r>
-              <a:rPr lang="en-US" altLang="zh-CN" sz="1600" i="1" dirty="0">
-                <a:solidFill>
-                  <a:srgbClr val="4B4B4B"/>
-                </a:solidFill>
-                <a:latin typeface="微软雅黑" panose="020B0503020204020204" pitchFamily="34" charset="-122"/>
-                <a:ea typeface="微软雅黑" panose="020B0503020204020204" pitchFamily="34" charset="-122"/>
+            <a:pPr marL="457200" indent="-457200" defTabSz="914400">
+              <a:spcBef>
+                <a:spcPts val="1000"/>
+              </a:spcBef>
+              <a:buFont typeface="Arial" panose="020B0604020202020204" pitchFamily="34" charset="0"/>
+              <a:buAutoNum type="arabicPeriod"/>
+            </a:pPr>
+            <a:r>
+              <a:rPr lang="en-US" altLang="zh-CN" sz="1600" dirty="0">
                 <a:sym typeface="+mn-ea"/>
               </a:rPr>
-              <a:t> </a:t>
-            </a:r>
-            <a:r>
-              <a:rPr lang="zh-CN" altLang="en-US" dirty="0">
-                <a:solidFill>
-                  <a:srgbClr val="4B4B4B"/>
-                </a:solidFill>
-                <a:latin typeface="微软雅黑" panose="020B0503020204020204" pitchFamily="34" charset="-122"/>
-                <a:ea typeface="微软雅黑" panose="020B0503020204020204" pitchFamily="34" charset="-122"/>
+              <a:t>721C</a:t>
+            </a:r>
+            <a:r>
+              <a:rPr lang="zh-CN" altLang="en-US" sz="1600" dirty="0">
                 <a:sym typeface="+mn-ea"/>
               </a:rPr>
-              <a:t>对未按期完成的任务进行原因分析及后期的改进措施。</a:t>
-            </a:r>
-            <a:endParaRPr lang="en-US" altLang="zh-CN" dirty="0">
-              <a:solidFill>
-                <a:srgbClr val="4B4B4B"/>
-              </a:solidFill>
-              <a:latin typeface="微软雅黑" panose="020B0503020204020204" pitchFamily="34" charset="-122"/>
-              <a:ea typeface="微软雅黑" panose="020B0503020204020204" pitchFamily="34" charset="-122"/>
+              <a:t>长期丢包问题，报</a:t>
+            </a:r>
+            <a:r>
+              <a:rPr lang="en-US" altLang="zh-CN" sz="1600" dirty="0">
+                <a:sym typeface="+mn-ea"/>
+              </a:rPr>
+              <a:t>fcs</a:t>
+            </a:r>
+            <a:r>
+              <a:rPr lang="zh-CN" altLang="en-US" sz="1600" dirty="0">
+                <a:sym typeface="+mn-ea"/>
+              </a:rPr>
+              <a:t>错误，升级</a:t>
+            </a:r>
+            <a:r>
+              <a:rPr lang="en-US" altLang="zh-CN" sz="1600" dirty="0">
+                <a:sym typeface="+mn-ea"/>
+              </a:rPr>
+              <a:t>SDK</a:t>
+            </a:r>
+            <a:r>
+              <a:rPr lang="zh-CN" altLang="en-US" sz="1600" dirty="0">
+                <a:sym typeface="+mn-ea"/>
+              </a:rPr>
+              <a:t>可以解决；</a:t>
+            </a:r>
+            <a:endParaRPr lang="en-US" altLang="zh-CN" sz="1600" dirty="0">
               <a:sym typeface="+mn-ea"/>
             </a:endParaRPr>
           </a:p>
           <a:p>
+            <a:pPr marL="457200" indent="-457200" defTabSz="914400">
+              <a:spcBef>
+                <a:spcPts val="1000"/>
+              </a:spcBef>
+              <a:buFont typeface="Arial" panose="020B0604020202020204" pitchFamily="34" charset="0"/>
+              <a:buAutoNum type="arabicPeriod"/>
+            </a:pPr>
+            <a:r>
+              <a:rPr lang="en-US" altLang="zh-CN" sz="1600" dirty="0">
+                <a:sym typeface="+mn-ea"/>
+              </a:rPr>
+              <a:t>721C</a:t>
+            </a:r>
+            <a:r>
+              <a:rPr lang="zh-CN" altLang="en-US" sz="1600" dirty="0">
+                <a:sym typeface="+mn-ea"/>
+              </a:rPr>
+              <a:t>反复上下电问题，快速</a:t>
+            </a:r>
+            <a:r>
+              <a:rPr lang="en-US" altLang="zh-CN" sz="1600" dirty="0">
+                <a:sym typeface="+mn-ea"/>
+              </a:rPr>
+              <a:t>mac-</a:t>
+            </a:r>
+            <a:r>
+              <a:rPr lang="en-US" altLang="zh-CN" sz="1600" dirty="0" err="1">
+                <a:sym typeface="+mn-ea"/>
+              </a:rPr>
+              <a:t>en</a:t>
+            </a:r>
+            <a:r>
+              <a:rPr lang="en-US" altLang="zh-CN" sz="1600" dirty="0">
+                <a:sym typeface="+mn-ea"/>
+              </a:rPr>
+              <a:t> disable/enable</a:t>
+            </a:r>
+            <a:r>
+              <a:rPr lang="zh-CN" altLang="en-US" sz="1600" dirty="0">
+                <a:sym typeface="+mn-ea"/>
+              </a:rPr>
+              <a:t>导致</a:t>
+            </a:r>
+            <a:r>
+              <a:rPr lang="en-US" altLang="zh-CN" sz="1600" dirty="0">
+                <a:sym typeface="+mn-ea"/>
+              </a:rPr>
+              <a:t>linkup</a:t>
+            </a:r>
+            <a:r>
+              <a:rPr lang="zh-CN" altLang="en-US" sz="1600" dirty="0">
+                <a:sym typeface="+mn-ea"/>
+              </a:rPr>
+              <a:t>中断不上报，反馈给</a:t>
+            </a:r>
+            <a:r>
+              <a:rPr lang="en-US" altLang="zh-CN" sz="1600" dirty="0" err="1">
+                <a:sym typeface="+mn-ea"/>
+              </a:rPr>
+              <a:t>fae</a:t>
+            </a:r>
+            <a:r>
+              <a:rPr lang="zh-CN" altLang="en-US" sz="1600" dirty="0">
+                <a:sym typeface="+mn-ea"/>
+              </a:rPr>
+              <a:t>未给出原因，软件已规避；</a:t>
+            </a:r>
             <a:endParaRPr lang="en-US" altLang="zh-CN" sz="1600" dirty="0">
-              <a:solidFill>
-                <a:srgbClr val="4B4B4B"/>
-              </a:solidFill>
-              <a:latin typeface="微软雅黑" panose="020B0503020204020204" pitchFamily="34" charset="-122"/>
-              <a:ea typeface="微软雅黑" panose="020B0503020204020204" pitchFamily="34" charset="-122"/>
+              <a:sym typeface="+mn-ea"/>
+            </a:endParaRPr>
+          </a:p>
+          <a:p>
+            <a:pPr marL="457200" indent="-457200" defTabSz="914400">
+              <a:spcBef>
+                <a:spcPts val="1000"/>
+              </a:spcBef>
+              <a:buFont typeface="Arial" panose="020B0604020202020204" pitchFamily="34" charset="0"/>
+              <a:buAutoNum type="arabicPeriod"/>
+            </a:pPr>
+            <a:r>
+              <a:rPr lang="en-US" altLang="zh-CN" sz="1600" dirty="0">
+                <a:sym typeface="+mn-ea"/>
+              </a:rPr>
+              <a:t>721C</a:t>
+            </a:r>
+            <a:r>
+              <a:rPr lang="zh-CN" altLang="en-US" sz="1600" dirty="0">
+                <a:sym typeface="+mn-ea"/>
+              </a:rPr>
+              <a:t>满带宽丢包问题，硬件最终定位为晶振误差影响，当前版本未解决；</a:t>
+            </a:r>
+            <a:endParaRPr lang="en-US" altLang="zh-CN" sz="1600" dirty="0">
+              <a:sym typeface="+mn-ea"/>
+            </a:endParaRPr>
+          </a:p>
+          <a:p>
+            <a:pPr marL="457200" indent="-457200" defTabSz="914400">
+              <a:spcBef>
+                <a:spcPts val="1000"/>
+              </a:spcBef>
+              <a:buFont typeface="Arial" panose="020B0604020202020204" pitchFamily="34" charset="0"/>
+              <a:buAutoNum type="arabicPeriod"/>
+            </a:pPr>
+            <a:r>
+              <a:rPr lang="en-US" altLang="zh-CN" sz="1600" dirty="0">
+                <a:sym typeface="+mn-ea"/>
+              </a:rPr>
+              <a:t>8800-A</a:t>
+            </a:r>
+            <a:r>
+              <a:rPr lang="zh-CN" altLang="en-US" sz="1600" dirty="0">
+                <a:sym typeface="+mn-ea"/>
+              </a:rPr>
+              <a:t>上</a:t>
+            </a:r>
+            <a:r>
+              <a:rPr lang="en-US" altLang="zh-CN" sz="1600" dirty="0">
+                <a:sym typeface="+mn-ea"/>
+              </a:rPr>
+              <a:t>RK4</a:t>
+            </a:r>
+            <a:r>
+              <a:rPr lang="zh-CN" altLang="en-US" sz="1600" dirty="0">
+                <a:sym typeface="+mn-ea"/>
+              </a:rPr>
+              <a:t>板卡聚合组成员口显示</a:t>
+            </a:r>
+            <a:r>
+              <a:rPr lang="en-US" altLang="zh-CN" sz="1600" dirty="0">
+                <a:sym typeface="+mn-ea"/>
+              </a:rPr>
+              <a:t>down</a:t>
+            </a:r>
+            <a:r>
+              <a:rPr lang="zh-CN" altLang="en-US" sz="1600" dirty="0">
+                <a:sym typeface="+mn-ea"/>
+              </a:rPr>
+              <a:t>状态问题，后续版本未能复现，测试后续观察；</a:t>
+            </a:r>
+            <a:endParaRPr lang="en-US" altLang="zh-CN" sz="1600" dirty="0">
+              <a:sym typeface="+mn-ea"/>
+            </a:endParaRPr>
+          </a:p>
+          <a:p>
+            <a:pPr marL="457200" indent="-457200" defTabSz="914400">
+              <a:spcBef>
+                <a:spcPts val="1000"/>
+              </a:spcBef>
+              <a:buFont typeface="Arial" panose="020B0604020202020204" pitchFamily="34" charset="0"/>
+              <a:buAutoNum type="arabicPeriod"/>
+            </a:pPr>
+            <a:r>
+              <a:rPr lang="en-US" altLang="zh-CN" sz="1600" dirty="0">
+                <a:sym typeface="+mn-ea"/>
+              </a:rPr>
+              <a:t>721C</a:t>
+            </a:r>
+            <a:r>
+              <a:rPr lang="zh-CN" altLang="en-US" sz="1600" dirty="0">
+                <a:sym typeface="+mn-ea"/>
+              </a:rPr>
+              <a:t>其他发现和分配的问题都已解决，</a:t>
+            </a:r>
+            <a:r>
+              <a:rPr lang="en-US" altLang="zh-CN" sz="1600" dirty="0">
+                <a:sym typeface="+mn-ea"/>
+              </a:rPr>
+              <a:t>RG10</a:t>
+            </a:r>
+            <a:r>
+              <a:rPr lang="zh-CN" altLang="en-US" sz="1600" dirty="0">
+                <a:sym typeface="+mn-ea"/>
+              </a:rPr>
+              <a:t>板卡问题单正在解决中；</a:t>
+            </a:r>
+            <a:endParaRPr lang="en-US" altLang="zh-CN" sz="1600" dirty="0">
+              <a:sym typeface="+mn-ea"/>
+            </a:endParaRPr>
+          </a:p>
+          <a:p>
+            <a:pPr marL="457200" indent="-457200" defTabSz="914400">
+              <a:spcBef>
+                <a:spcPts val="1000"/>
+              </a:spcBef>
+              <a:buFont typeface="Arial" panose="020B0604020202020204" pitchFamily="34" charset="0"/>
+              <a:buAutoNum type="arabicPeriod"/>
+            </a:pPr>
+            <a:r>
+              <a:rPr lang="en-US" altLang="zh-CN" sz="1600" dirty="0">
+                <a:sym typeface="+mn-ea"/>
+              </a:rPr>
+              <a:t>FCG</a:t>
+            </a:r>
+            <a:r>
+              <a:rPr lang="zh-CN" altLang="en-US" sz="1600" dirty="0">
+                <a:sym typeface="+mn-ea"/>
+              </a:rPr>
+              <a:t>算力子卡前期熟悉了部分编译工作，因为其他问题插入，后续继续进行。</a:t>
+            </a:r>
+            <a:endParaRPr lang="en-US" altLang="zh-CN" sz="1600" dirty="0">
+              <a:sym typeface="+mn-ea"/>
+            </a:endParaRPr>
+          </a:p>
+          <a:p>
+            <a:endParaRPr lang="en-US" altLang="zh-CN" sz="1600" dirty="0">
+              <a:sym typeface="+mn-ea"/>
+            </a:endParaRPr>
+          </a:p>
+          <a:p>
+            <a:endParaRPr lang="en-US" altLang="zh-CN" sz="1600" dirty="0">
               <a:sym typeface="+mn-ea"/>
             </a:endParaRPr>
           </a:p>
@@ -14252,7 +15271,7 @@
         <p:spPr>
           <a:xfrm>
             <a:off x="857250" y="1254125"/>
-            <a:ext cx="9100820" cy="2031325"/>
+            <a:ext cx="9100820" cy="4524315"/>
           </a:xfrm>
           <a:prstGeom prst="rect">
             <a:avLst/>
@@ -14266,50 +15285,99 @@
           <a:lstStyle/>
           <a:p>
             <a:pPr marL="342900" indent="-342900">
+              <a:spcAft>
+                <a:spcPts val="1200"/>
+              </a:spcAft>
               <a:buFont typeface="+mj-lt"/>
               <a:buAutoNum type="arabicPeriod"/>
             </a:pPr>
             <a:r>
-              <a:rPr lang="zh-CN" altLang="en-US" dirty="0">
-                <a:solidFill>
-                  <a:srgbClr val="4B4B4B"/>
-                </a:solidFill>
-                <a:latin typeface="微软雅黑" panose="020B0503020204020204" pitchFamily="34" charset="-122"/>
-                <a:ea typeface="微软雅黑" panose="020B0503020204020204" pitchFamily="34" charset="-122"/>
+              <a:rPr lang="zh-CN" altLang="en-US" sz="2000" dirty="0">
+                <a:latin typeface="+mn-ea"/>
                 <a:sym typeface="+mn-ea"/>
               </a:rPr>
               <a:t>试用期的收获</a:t>
             </a:r>
-            <a:endParaRPr lang="en-US" altLang="zh-CN" dirty="0">
-              <a:solidFill>
-                <a:srgbClr val="4B4B4B"/>
-              </a:solidFill>
-              <a:latin typeface="微软雅黑" panose="020B0503020204020204" pitchFamily="34" charset="-122"/>
-              <a:ea typeface="微软雅黑" panose="020B0503020204020204" pitchFamily="34" charset="-122"/>
+            <a:endParaRPr lang="en-US" altLang="zh-CN" sz="2000" dirty="0">
+              <a:latin typeface="+mn-ea"/>
               <a:sym typeface="+mn-ea"/>
             </a:endParaRPr>
           </a:p>
           <a:p>
             <a:pPr marL="285750" indent="-285750">
+              <a:lnSpc>
+                <a:spcPct val="150000"/>
+              </a:lnSpc>
               <a:buFont typeface="Wingdings" panose="05000000000000000000" pitchFamily="2" charset="2"/>
               <a:buChar char="Ø"/>
             </a:pPr>
-            <a:endParaRPr lang="en-US" altLang="zh-CN" dirty="0">
-              <a:solidFill>
-                <a:srgbClr val="4B4B4B"/>
-              </a:solidFill>
-              <a:latin typeface="微软雅黑" panose="020B0503020204020204" pitchFamily="34" charset="-122"/>
-              <a:ea typeface="微软雅黑" panose="020B0503020204020204" pitchFamily="34" charset="-122"/>
+            <a:r>
+              <a:rPr lang="zh-CN" altLang="en-US" sz="1600" dirty="0">
+                <a:sym typeface="+mn-ea"/>
+              </a:rPr>
+              <a:t>对负责的功能模块能发现问题，解决问题，比如在自测验证</a:t>
+            </a:r>
+            <a:r>
+              <a:rPr lang="en-US" altLang="zh-CN" sz="1600" dirty="0">
+                <a:sym typeface="+mn-ea"/>
+              </a:rPr>
+              <a:t>QINQ</a:t>
+            </a:r>
+            <a:r>
+              <a:rPr lang="zh-CN" altLang="en-US" sz="1600" dirty="0">
+                <a:sym typeface="+mn-ea"/>
+              </a:rPr>
+              <a:t>功能中发现问题；</a:t>
+            </a:r>
+            <a:endParaRPr lang="en-US" altLang="zh-CN" sz="1600" dirty="0">
               <a:sym typeface="+mn-ea"/>
             </a:endParaRPr>
           </a:p>
           <a:p>
-            <a:endParaRPr lang="en-US" altLang="zh-CN" dirty="0">
-              <a:solidFill>
-                <a:srgbClr val="4B4B4B"/>
-              </a:solidFill>
-              <a:latin typeface="微软雅黑" panose="020B0503020204020204" pitchFamily="34" charset="-122"/>
-              <a:ea typeface="微软雅黑" panose="020B0503020204020204" pitchFamily="34" charset="-122"/>
+            <a:pPr marL="285750" indent="-285750">
+              <a:lnSpc>
+                <a:spcPct val="150000"/>
+              </a:lnSpc>
+              <a:buFont typeface="Wingdings" panose="05000000000000000000" pitchFamily="2" charset="2"/>
+              <a:buChar char="Ø"/>
+            </a:pPr>
+            <a:r>
+              <a:rPr lang="zh-CN" altLang="en-US" sz="1600" dirty="0">
+                <a:sym typeface="+mn-ea"/>
+              </a:rPr>
+              <a:t>对不熟悉的问题，比如接口</a:t>
+            </a:r>
+            <a:r>
+              <a:rPr lang="en-US" altLang="zh-CN" sz="1600" dirty="0">
+                <a:sym typeface="+mn-ea"/>
+              </a:rPr>
+              <a:t>link</a:t>
+            </a:r>
+            <a:r>
+              <a:rPr lang="zh-CN" altLang="en-US" sz="1600" dirty="0">
+                <a:sym typeface="+mn-ea"/>
+              </a:rPr>
+              <a:t>和板卡上下线，能梳理定位问题，通过与同事沟通来解决问题；</a:t>
+            </a:r>
+            <a:endParaRPr lang="en-US" altLang="zh-CN" sz="1600" dirty="0">
+              <a:sym typeface="+mn-ea"/>
+            </a:endParaRPr>
+          </a:p>
+          <a:p>
+            <a:pPr marL="285750" indent="-285750">
+              <a:lnSpc>
+                <a:spcPct val="150000"/>
+              </a:lnSpc>
+              <a:buFont typeface="Wingdings" panose="05000000000000000000" pitchFamily="2" charset="2"/>
+              <a:buChar char="Ø"/>
+            </a:pPr>
+            <a:r>
+              <a:rPr lang="zh-CN" altLang="en-US" sz="1600" dirty="0">
+                <a:sym typeface="+mn-ea"/>
+              </a:rPr>
+              <a:t>对未使用的芯片，能通过资料手册熟悉原理，了解调试使用方法。</a:t>
+            </a:r>
+            <a:endParaRPr lang="en-US" altLang="zh-CN" sz="1600" dirty="0">
               <a:sym typeface="+mn-ea"/>
             </a:endParaRPr>
           </a:p>
@@ -14329,37 +15397,105 @@
           </a:p>
           <a:p>
             <a:pPr marL="342900" indent="-342900">
+              <a:spcAft>
+                <a:spcPts val="1200"/>
+              </a:spcAft>
               <a:buFont typeface="+mj-lt"/>
               <a:buAutoNum type="arabicPeriod" startAt="2"/>
             </a:pPr>
             <a:r>
-              <a:rPr lang="zh-CN" altLang="en-US" dirty="0">
-                <a:solidFill>
-                  <a:srgbClr val="4B4B4B"/>
-                </a:solidFill>
-                <a:latin typeface="微软雅黑" panose="020B0503020204020204" pitchFamily="34" charset="-122"/>
-                <a:ea typeface="微软雅黑" panose="020B0503020204020204" pitchFamily="34" charset="-122"/>
+              <a:rPr lang="zh-CN" altLang="en-US" sz="2000" dirty="0">
+                <a:latin typeface="+mn-ea"/>
                 <a:sym typeface="+mn-ea"/>
               </a:rPr>
               <a:t>试用期间遇到的难题及其解决措施</a:t>
             </a:r>
-            <a:endParaRPr lang="en-US" altLang="zh-CN" dirty="0">
-              <a:solidFill>
-                <a:srgbClr val="4B4B4B"/>
-              </a:solidFill>
-              <a:latin typeface="微软雅黑" panose="020B0503020204020204" pitchFamily="34" charset="-122"/>
-              <a:ea typeface="微软雅黑" panose="020B0503020204020204" pitchFamily="34" charset="-122"/>
+            <a:endParaRPr lang="en-US" altLang="zh-CN" sz="2000" dirty="0">
+              <a:latin typeface="+mn-ea"/>
               <a:sym typeface="+mn-ea"/>
             </a:endParaRPr>
           </a:p>
           <a:p>
-            <a:endParaRPr lang="en-US" altLang="zh-CN" dirty="0">
-              <a:solidFill>
-                <a:srgbClr val="4B4B4B"/>
-              </a:solidFill>
-              <a:latin typeface="微软雅黑" panose="020B0503020204020204" pitchFamily="34" charset="-122"/>
-              <a:ea typeface="微软雅黑" panose="020B0503020204020204" pitchFamily="34" charset="-122"/>
-            </a:endParaRPr>
+            <a:pPr marL="285750" indent="-285750">
+              <a:lnSpc>
+                <a:spcPct val="150000"/>
+              </a:lnSpc>
+              <a:buFont typeface="Wingdings" panose="05000000000000000000" pitchFamily="2" charset="2"/>
+              <a:buChar char="Ø"/>
+            </a:pPr>
+            <a:r>
+              <a:rPr lang="en-US" altLang="zh-CN" sz="1600" dirty="0"/>
+              <a:t>721C</a:t>
+            </a:r>
+            <a:r>
+              <a:rPr lang="zh-CN" altLang="en-US" sz="1600" dirty="0"/>
+              <a:t>设备反复上下电不通问题，因为对芯片接口相关的调试手段不熟悉，并且问题属于严重需要尽快定位解决，所以首先请教同事基本的接口调试命令，初步定位原因与</a:t>
+            </a:r>
+            <a:r>
+              <a:rPr lang="en-US" altLang="zh-CN" sz="1600" dirty="0"/>
+              <a:t>88A</a:t>
+            </a:r>
+            <a:r>
+              <a:rPr lang="zh-CN" altLang="en-US" sz="1600" dirty="0"/>
+              <a:t>设备已知的</a:t>
+            </a:r>
+            <a:r>
+              <a:rPr lang="en-US" altLang="zh-CN" sz="1600" dirty="0"/>
+              <a:t>port-</a:t>
+            </a:r>
+            <a:r>
+              <a:rPr lang="en-US" altLang="zh-CN" sz="1600" dirty="0" err="1"/>
+              <a:t>en</a:t>
+            </a:r>
+            <a:r>
+              <a:rPr lang="zh-CN" altLang="en-US" sz="1600" dirty="0"/>
+              <a:t>问题类似，然后考虑到版本发布时间，选择先规避问题。后续根据</a:t>
+            </a:r>
+            <a:r>
+              <a:rPr lang="en-US" altLang="zh-CN" sz="1600" dirty="0"/>
+              <a:t>port-</a:t>
+            </a:r>
+            <a:r>
+              <a:rPr lang="en-US" altLang="zh-CN" sz="1600" dirty="0" err="1"/>
+              <a:t>en</a:t>
+            </a:r>
+            <a:r>
+              <a:rPr lang="zh-CN" altLang="en-US" sz="1600" dirty="0"/>
+              <a:t>状态这个线索，梳理涉及到该状态的代码，加日志信息，搭建环境进行复现，最后发现原因是接口快速设置</a:t>
+            </a:r>
+            <a:r>
+              <a:rPr lang="en-US" altLang="zh-CN" sz="1600" dirty="0"/>
+              <a:t>mac-</a:t>
+            </a:r>
+            <a:r>
+              <a:rPr lang="en-US" altLang="zh-CN" sz="1600" dirty="0" err="1"/>
+              <a:t>en</a:t>
+            </a:r>
+            <a:r>
+              <a:rPr lang="en-US" altLang="zh-CN" sz="1600" dirty="0"/>
+              <a:t> disable/enable</a:t>
+            </a:r>
+            <a:r>
+              <a:rPr lang="zh-CN" altLang="en-US" sz="1600" dirty="0"/>
+              <a:t>时会出现</a:t>
+            </a:r>
+            <a:r>
+              <a:rPr lang="en-US" altLang="zh-CN" sz="1600" dirty="0"/>
+              <a:t>linkup</a:t>
+            </a:r>
+            <a:r>
+              <a:rPr lang="zh-CN" altLang="en-US" sz="1600" dirty="0"/>
+              <a:t>中断不上报，反馈到</a:t>
+            </a:r>
+            <a:r>
+              <a:rPr lang="en-US" altLang="zh-CN" sz="1600" dirty="0" err="1"/>
+              <a:t>fae</a:t>
+            </a:r>
+            <a:r>
+              <a:rPr lang="zh-CN" altLang="en-US" sz="1600" dirty="0"/>
+              <a:t>进行沟通，截止上周暂时未给出原因。</a:t>
+            </a:r>
+            <a:endParaRPr lang="en-US" altLang="zh-CN" sz="1600" dirty="0"/>
           </a:p>
           <a:p>
             <a:endParaRPr lang="zh-CN" altLang="en-US" dirty="0"/>

--- a/工作笔记/raisecom/02 部门规范/转正答辩PPT模板(软件部).pptx
+++ b/工作笔记/raisecom/02 部门规范/转正答辩PPT模板(软件部).pptx
@@ -224,7 +224,7 @@
           <a:p>
             <a:fld id="{0DD63D5C-4B02-449B-BC73-B68C259B9936}" type="datetimeFigureOut">
               <a:rPr lang="zh-CN" altLang="en-US" smtClean="0"/>
-              <a:t>2023/10/20</a:t>
+              <a:t>2023/10/21</a:t>
             </a:fld>
             <a:endParaRPr lang="zh-CN" altLang="en-US"/>
           </a:p>
@@ -1745,7 +1745,7 @@
           <a:p>
             <a:fld id="{4915075A-889B-4A90-AD5C-976A7BB525B6}" type="datetimeFigureOut">
               <a:rPr lang="zh-CN" altLang="en-US" smtClean="0"/>
-              <a:t>2023/10/20</a:t>
+              <a:t>2023/10/21</a:t>
             </a:fld>
             <a:endParaRPr lang="zh-CN" altLang="en-US"/>
           </a:p>
@@ -1918,7 +1918,7 @@
           <a:p>
             <a:fld id="{4915075A-889B-4A90-AD5C-976A7BB525B6}" type="datetimeFigureOut">
               <a:rPr lang="zh-CN" altLang="en-US" smtClean="0"/>
-              <a:t>2023/10/20</a:t>
+              <a:t>2023/10/21</a:t>
             </a:fld>
             <a:endParaRPr lang="zh-CN" altLang="en-US"/>
           </a:p>
@@ -2101,7 +2101,7 @@
           <a:p>
             <a:fld id="{4915075A-889B-4A90-AD5C-976A7BB525B6}" type="datetimeFigureOut">
               <a:rPr lang="zh-CN" altLang="en-US" smtClean="0"/>
-              <a:t>2023/10/20</a:t>
+              <a:t>2023/10/21</a:t>
             </a:fld>
             <a:endParaRPr lang="zh-CN" altLang="en-US"/>
           </a:p>
@@ -2274,7 +2274,7 @@
           <a:p>
             <a:fld id="{4915075A-889B-4A90-AD5C-976A7BB525B6}" type="datetimeFigureOut">
               <a:rPr lang="zh-CN" altLang="en-US" smtClean="0"/>
-              <a:t>2023/10/20</a:t>
+              <a:t>2023/10/21</a:t>
             </a:fld>
             <a:endParaRPr lang="zh-CN" altLang="en-US"/>
           </a:p>
@@ -2523,7 +2523,7 @@
           <a:p>
             <a:fld id="{4915075A-889B-4A90-AD5C-976A7BB525B6}" type="datetimeFigureOut">
               <a:rPr lang="zh-CN" altLang="en-US" smtClean="0"/>
-              <a:t>2023/10/20</a:t>
+              <a:t>2023/10/21</a:t>
             </a:fld>
             <a:endParaRPr lang="zh-CN" altLang="en-US"/>
           </a:p>
@@ -2758,7 +2758,7 @@
           <a:p>
             <a:fld id="{4915075A-889B-4A90-AD5C-976A7BB525B6}" type="datetimeFigureOut">
               <a:rPr lang="zh-CN" altLang="en-US" smtClean="0"/>
-              <a:t>2023/10/20</a:t>
+              <a:t>2023/10/21</a:t>
             </a:fld>
             <a:endParaRPr lang="zh-CN" altLang="en-US"/>
           </a:p>
@@ -3128,7 +3128,7 @@
           <a:p>
             <a:fld id="{4915075A-889B-4A90-AD5C-976A7BB525B6}" type="datetimeFigureOut">
               <a:rPr lang="zh-CN" altLang="en-US" smtClean="0"/>
-              <a:t>2023/10/20</a:t>
+              <a:t>2023/10/21</a:t>
             </a:fld>
             <a:endParaRPr lang="zh-CN" altLang="en-US"/>
           </a:p>
@@ -3249,7 +3249,7 @@
           <a:p>
             <a:fld id="{4915075A-889B-4A90-AD5C-976A7BB525B6}" type="datetimeFigureOut">
               <a:rPr lang="zh-CN" altLang="en-US" smtClean="0"/>
-              <a:t>2023/10/20</a:t>
+              <a:t>2023/10/21</a:t>
             </a:fld>
             <a:endParaRPr lang="zh-CN" altLang="en-US"/>
           </a:p>
@@ -3347,7 +3347,7 @@
           <a:p>
             <a:fld id="{4915075A-889B-4A90-AD5C-976A7BB525B6}" type="datetimeFigureOut">
               <a:rPr lang="zh-CN" altLang="en-US" smtClean="0"/>
-              <a:t>2023/10/20</a:t>
+              <a:t>2023/10/21</a:t>
             </a:fld>
             <a:endParaRPr lang="zh-CN" altLang="en-US"/>
           </a:p>
@@ -3627,7 +3627,7 @@
           <a:p>
             <a:fld id="{4915075A-889B-4A90-AD5C-976A7BB525B6}" type="datetimeFigureOut">
               <a:rPr lang="zh-CN" altLang="en-US" smtClean="0"/>
-              <a:t>2023/10/20</a:t>
+              <a:t>2023/10/21</a:t>
             </a:fld>
             <a:endParaRPr lang="zh-CN" altLang="en-US"/>
           </a:p>
@@ -3887,7 +3887,7 @@
           <a:p>
             <a:fld id="{4915075A-889B-4A90-AD5C-976A7BB525B6}" type="datetimeFigureOut">
               <a:rPr lang="zh-CN" altLang="en-US" smtClean="0"/>
-              <a:t>2023/10/20</a:t>
+              <a:t>2023/10/21</a:t>
             </a:fld>
             <a:endParaRPr lang="zh-CN" altLang="en-US"/>
           </a:p>
@@ -4103,7 +4103,7 @@
           <a:p>
             <a:fld id="{4915075A-889B-4A90-AD5C-976A7BB525B6}" type="datetimeFigureOut">
               <a:rPr lang="zh-CN" altLang="en-US" smtClean="0"/>
-              <a:t>2023/10/20</a:t>
+              <a:t>2023/10/21</a:t>
             </a:fld>
             <a:endParaRPr lang="zh-CN" altLang="en-US"/>
           </a:p>
@@ -9507,7 +9507,7 @@
                 <a:latin typeface="+mn-ea"/>
                 <a:sym typeface="+mn-ea"/>
               </a:rPr>
-              <a:t>算力子卡的开发，继续前期未完成的产品编译工作，以及板卡的功能开发；</a:t>
+              <a:t>算力子卡的开发，继续前期未完成的产品编译工作，以及板卡的功能调试；</a:t>
             </a:r>
             <a:endParaRPr lang="en-US" altLang="zh-CN" dirty="0">
               <a:latin typeface="+mn-ea"/>
@@ -9527,7 +9527,7 @@
                 <a:latin typeface="+mn-ea"/>
                 <a:sym typeface="+mn-ea"/>
               </a:rPr>
-              <a:t>巩固复习负责的功能模块。</a:t>
+              <a:t>维护负责的功能模块。</a:t>
             </a:r>
             <a:endParaRPr lang="en-US" altLang="zh-CN" dirty="0">
               <a:latin typeface="+mn-ea"/>
@@ -12050,7 +12050,7 @@
                 <a:ea typeface="微软雅黑" panose="020B0503020204020204" pitchFamily="34" charset="-122"/>
                 <a:sym typeface="+mn-ea"/>
               </a:rPr>
-              <a:t>和环路检测等。</a:t>
+              <a:t>和端口备份等。</a:t>
             </a:r>
             <a:endParaRPr lang="zh-CN" altLang="en-US" dirty="0"/>
           </a:p>
@@ -13342,7 +13342,7 @@
             </a:r>
             <a:r>
               <a:rPr lang="zh-CN" altLang="en-US" sz="1600" dirty="0"/>
-              <a:t>，以及环路检测等模块，测试验证功能，解决发现的</a:t>
+              <a:t>，端口备份，以及环路检测等，测试验证功能，解决发现的</a:t>
             </a:r>
             <a:r>
               <a:rPr lang="en-US" altLang="zh-CN" sz="1600" dirty="0"/>
@@ -15327,7 +15327,7 @@
               <a:rPr lang="zh-CN" altLang="en-US" sz="1600" dirty="0">
                 <a:sym typeface="+mn-ea"/>
               </a:rPr>
-              <a:t>功能中发现问题；</a:t>
+              <a:t>时测出配置问题；</a:t>
             </a:r>
             <a:endParaRPr lang="en-US" altLang="zh-CN" sz="1600" dirty="0">
               <a:sym typeface="+mn-ea"/>
@@ -15345,7 +15345,7 @@
               <a:rPr lang="zh-CN" altLang="en-US" sz="1600" dirty="0">
                 <a:sym typeface="+mn-ea"/>
               </a:rPr>
-              <a:t>对不熟悉的问题，比如接口</a:t>
+              <a:t>对不熟悉的，比如接口</a:t>
             </a:r>
             <a:r>
               <a:rPr lang="en-US" altLang="zh-CN" sz="1600" dirty="0">
@@ -15357,7 +15357,7 @@
               <a:rPr lang="zh-CN" altLang="en-US" sz="1600" dirty="0">
                 <a:sym typeface="+mn-ea"/>
               </a:rPr>
-              <a:t>和板卡上下线，能梳理定位问题，通过与同事沟通来解决问题；</a:t>
+              <a:t>和板卡上下线处理，能梳理定位问题，通过与同事沟通来解决；</a:t>
             </a:r>
             <a:endParaRPr lang="en-US" altLang="zh-CN" sz="1600" dirty="0">
               <a:sym typeface="+mn-ea"/>
@@ -15375,7 +15375,7 @@
               <a:rPr lang="zh-CN" altLang="en-US" sz="1600" dirty="0">
                 <a:sym typeface="+mn-ea"/>
               </a:rPr>
-              <a:t>对未使用的芯片，能通过资料手册熟悉原理，了解调试使用方法。</a:t>
+              <a:t>对未使用过的芯片，能通过资料手册熟悉原理，了解调试使用方法。</a:t>
             </a:r>
             <a:endParaRPr lang="en-US" altLang="zh-CN" sz="1600" dirty="0">
               <a:sym typeface="+mn-ea"/>
